--- a/training-cards/music moves/Pairing (PAI)/ger/apprentice/ger_PAI_02_Zusammen_den_Nebel_lichten_MM_A.pptx
+++ b/training-cards/music moves/Pairing (PAI)/ger/apprentice/ger_PAI_02_Zusammen_den_Nebel_lichten_MM_A.pptx
@@ -105,6 +105,22 @@
       </a:defRPr>
     </a:lvl9pPr>
   </p:defaultTextStyle>
+  <p:extLst>
+    <p:ext uri="{EFAFB233-063F-42B5-8137-9DF3F51BA10A}">
+      <p15:sldGuideLst xmlns:p15="http://schemas.microsoft.com/office/powerpoint/2012/main">
+        <p15:guide id="1" orient="horz" pos="652">
+          <p15:clr>
+            <a:srgbClr val="A4A3A4"/>
+          </p15:clr>
+        </p15:guide>
+        <p15:guide id="2">
+          <p15:clr>
+            <a:srgbClr val="A4A3A4"/>
+          </p15:clr>
+        </p15:guide>
+      </p15:sldGuideLst>
+    </p:ext>
+  </p:extLst>
 </p:presentation>
 </file>
 
@@ -153,10 +169,9 @@
           </a:lstStyle>
           <a:p>
             <a:r>
-              <a:rPr lang="de-DE" dirty="0" smtClean="0"/>
+              <a:rPr lang="de-DE" dirty="0"/>
               <a:t>TITEL HINZUFÜGEN</a:t>
             </a:r>
-            <a:endParaRPr lang="de-DE" dirty="0"/>
           </a:p>
         </p:txBody>
       </p:sp>
@@ -187,35 +202,35 @@
           <a:p>
             <a:pPr lvl="0"/>
             <a:r>
-              <a:rPr lang="de-DE" smtClean="0"/>
+              <a:rPr lang="de-DE"/>
               <a:t>Mastertextformat bearbeiten</a:t>
             </a:r>
           </a:p>
           <a:p>
             <a:pPr lvl="1"/>
             <a:r>
-              <a:rPr lang="de-DE" smtClean="0"/>
+              <a:rPr lang="de-DE"/>
               <a:t>Zweite Ebene</a:t>
             </a:r>
           </a:p>
           <a:p>
             <a:pPr lvl="2"/>
             <a:r>
-              <a:rPr lang="de-DE" smtClean="0"/>
+              <a:rPr lang="de-DE"/>
               <a:t>Dritte Ebene</a:t>
             </a:r>
           </a:p>
           <a:p>
             <a:pPr lvl="3"/>
             <a:r>
-              <a:rPr lang="de-DE" smtClean="0"/>
+              <a:rPr lang="de-DE"/>
               <a:t>Vierte Ebene</a:t>
             </a:r>
           </a:p>
           <a:p>
             <a:pPr lvl="4"/>
             <a:r>
-              <a:rPr lang="de-DE" smtClean="0"/>
+              <a:rPr lang="de-DE"/>
               <a:t>Fünfte Ebene</a:t>
             </a:r>
             <a:endParaRPr lang="de-DE" dirty="0"/>
@@ -262,7 +277,7 @@
               <a:buNone/>
             </a:pPr>
             <a:r>
-              <a:rPr lang="de-DE" smtClean="0"/>
+              <a:rPr lang="de-DE"/>
               <a:t>Master-Untertitelformat bearbeiten</a:t>
             </a:r>
             <a:endParaRPr lang="de-DE" dirty="0"/>
@@ -378,35 +393,35 @@
           <a:p>
             <a:pPr lvl="0"/>
             <a:r>
-              <a:rPr lang="de-DE" smtClean="0"/>
+              <a:rPr lang="de-DE"/>
               <a:t>Mastertextformat bearbeiten</a:t>
             </a:r>
           </a:p>
           <a:p>
             <a:pPr lvl="1"/>
             <a:r>
-              <a:rPr lang="de-DE" smtClean="0"/>
+              <a:rPr lang="de-DE"/>
               <a:t>Zweite Ebene</a:t>
             </a:r>
           </a:p>
           <a:p>
             <a:pPr lvl="2"/>
             <a:r>
-              <a:rPr lang="de-DE" smtClean="0"/>
+              <a:rPr lang="de-DE"/>
               <a:t>Dritte Ebene</a:t>
             </a:r>
           </a:p>
           <a:p>
             <a:pPr lvl="3"/>
             <a:r>
-              <a:rPr lang="de-DE" smtClean="0"/>
+              <a:rPr lang="de-DE"/>
               <a:t>Vierte Ebene</a:t>
             </a:r>
           </a:p>
           <a:p>
             <a:pPr lvl="4"/>
             <a:r>
-              <a:rPr lang="de-DE" smtClean="0"/>
+              <a:rPr lang="de-DE"/>
               <a:t>Fünfte Ebene</a:t>
             </a:r>
             <a:endParaRPr lang="de-DE" dirty="0"/>
@@ -436,7 +451,7 @@
           <a:lstStyle/>
           <a:p>
             <a:r>
-              <a:rPr lang="de-DE" sz="2400" dirty="0" smtClean="0">
+              <a:rPr lang="de-DE" sz="2400" dirty="0">
                 <a:solidFill>
                   <a:srgbClr val="7E006B"/>
                 </a:solidFill>
@@ -446,7 +461,7 @@
               <a:t>TR	AININGS</a:t>
             </a:r>
             <a:r>
-              <a:rPr lang="de-DE" sz="2400" dirty="0" smtClean="0">
+              <a:rPr lang="de-DE" sz="2400" dirty="0">
                 <a:solidFill>
                   <a:srgbClr val="7E006B"/>
                 </a:solidFill>
@@ -514,7 +529,7 @@
           </a:ln>
           <a:extLst>
             <a:ext uri="{C572A759-6A51-4108-AA02-DFA0A04FC94B}">
-              <ma14:wrappingTextBoxFlag xmlns:ma14="http://schemas.microsoft.com/office/mac/drawingml/2011/main" val="1"/>
+              <ma14:wrappingTextBoxFlag xmlns:ma14="http://schemas.microsoft.com/office/mac/drawingml/2011/main" xmlns="" val="1"/>
             </a:ext>
           </a:extLst>
         </p:spPr>
@@ -560,9 +575,7 @@
           <p:nvPr userDrawn="1"/>
         </p:nvPicPr>
         <p:blipFill>
-          <a:blip r:embed="rId4">
-            <a:extLst/>
-          </a:blip>
+          <a:blip r:embed="rId4"/>
           <a:stretch>
             <a:fillRect/>
           </a:stretch>
@@ -620,7 +633,7 @@
                 <a:latin typeface="Avenir Light"/>
                 <a:cs typeface="Avenir Light"/>
               </a:rPr>
-              <a:t>08.11.15</a:t>
+              <a:t>01.07.23</a:t>
             </a:fld>
             <a:endParaRPr lang="de-DE" sz="600" dirty="0">
               <a:solidFill>
@@ -678,10 +691,9 @@
           <a:lstStyle/>
           <a:p>
             <a:r>
-              <a:rPr lang="de-DE" smtClean="0"/>
+              <a:rPr lang="de-DE"/>
               <a:t>Mastertitelformat bearbeiten</a:t>
             </a:r>
-            <a:endParaRPr lang="de-DE"/>
           </a:p>
         </p:txBody>
       </p:sp>
@@ -702,7 +714,7 @@
           <a:p>
             <a:fld id="{FF5B2BAF-DF38-0A48-A798-0C06E514FD52}" type="datetimeFigureOut">
               <a:rPr lang="de-DE" smtClean="0"/>
-              <a:t>08.11.15</a:t>
+              <a:t>01.07.23</a:t>
             </a:fld>
             <a:endParaRPr lang="de-DE" dirty="0"/>
           </a:p>
@@ -813,17 +825,16 @@
           <a:p>
             <a:pPr marL="0" lvl="0" algn="l"/>
             <a:r>
-              <a:rPr lang="de-DE" dirty="0" smtClean="0"/>
+              <a:rPr lang="de-DE" dirty="0"/>
               <a:t>Überschrift </a:t>
             </a:r>
             <a:br>
-              <a:rPr lang="de-DE" dirty="0" smtClean="0"/>
+              <a:rPr lang="de-DE" dirty="0"/>
             </a:br>
             <a:r>
-              <a:rPr lang="de-DE" dirty="0" smtClean="0"/>
+              <a:rPr lang="de-DE" dirty="0"/>
               <a:t>bearbeiten </a:t>
             </a:r>
-            <a:endParaRPr lang="de-DE" dirty="0"/>
           </a:p>
         </p:txBody>
       </p:sp>
@@ -854,38 +865,37 @@
           <a:p>
             <a:pPr lvl="0"/>
             <a:r>
-              <a:rPr lang="de-DE" dirty="0" smtClean="0"/>
+              <a:rPr lang="de-DE" dirty="0"/>
               <a:t>Mastertextformat bearbeiten</a:t>
             </a:r>
           </a:p>
           <a:p>
             <a:pPr lvl="1"/>
             <a:r>
-              <a:rPr lang="de-DE" dirty="0" smtClean="0"/>
+              <a:rPr lang="de-DE" dirty="0"/>
               <a:t>Zweite Ebene</a:t>
             </a:r>
           </a:p>
           <a:p>
             <a:pPr lvl="2"/>
             <a:r>
-              <a:rPr lang="de-DE" dirty="0" smtClean="0"/>
+              <a:rPr lang="de-DE" dirty="0"/>
               <a:t>Dritte Ebene</a:t>
             </a:r>
           </a:p>
           <a:p>
             <a:pPr lvl="3"/>
             <a:r>
-              <a:rPr lang="de-DE" dirty="0" smtClean="0"/>
+              <a:rPr lang="de-DE" dirty="0"/>
               <a:t>Vierte Ebene</a:t>
             </a:r>
           </a:p>
           <a:p>
             <a:pPr lvl="4"/>
             <a:r>
-              <a:rPr lang="de-DE" dirty="0" smtClean="0"/>
+              <a:rPr lang="de-DE" dirty="0"/>
               <a:t>Fünfte Ebene</a:t>
             </a:r>
-            <a:endParaRPr lang="de-DE" dirty="0"/>
           </a:p>
         </p:txBody>
       </p:sp>
@@ -924,7 +934,7 @@
           <a:p>
             <a:fld id="{FF5B2BAF-DF38-0A48-A798-0C06E514FD52}" type="datetimeFigureOut">
               <a:rPr lang="de-DE" smtClean="0"/>
-              <a:t>08.11.15</a:t>
+              <a:t>01.07.23</a:t>
             </a:fld>
             <a:endParaRPr lang="de-DE" dirty="0"/>
           </a:p>
@@ -1158,7 +1168,7 @@
           <a:lstStyle/>
           <a:p>
             <a:r>
-              <a:rPr lang="de-DE" sz="1050" b="1" dirty="0" smtClean="0">
+              <a:rPr lang="de-DE" sz="1050" b="1" dirty="0">
                 <a:solidFill>
                   <a:schemeClr val="bg1"/>
                 </a:solidFill>
@@ -1168,7 +1178,7 @@
               <a:t>TRAININGSKARTE</a:t>
             </a:r>
             <a:r>
-              <a:rPr lang="de-DE" sz="1050" dirty="0" smtClean="0">
+              <a:rPr lang="de-DE" sz="1050" dirty="0">
                 <a:solidFill>
                   <a:schemeClr val="bg1"/>
                 </a:solidFill>
@@ -1178,32 +1188,15 @@
               <a:t> </a:t>
             </a:r>
             <a:r>
-              <a:rPr lang="de-DE" sz="1050" b="1" dirty="0" smtClean="0">
+              <a:rPr lang="de-DE" sz="1050" b="1" dirty="0">
                 <a:solidFill>
                   <a:schemeClr val="bg1"/>
                 </a:solidFill>
                 <a:latin typeface="Avenir Heavy"/>
                 <a:cs typeface="Avenir Heavy"/>
               </a:rPr>
-              <a:t>PAI </a:t>
-            </a:r>
-            <a:r>
-              <a:rPr lang="de-DE" sz="1050" b="1" dirty="0" smtClean="0">
-                <a:solidFill>
-                  <a:schemeClr val="bg1"/>
-                </a:solidFill>
-                <a:latin typeface="Avenir Heavy"/>
-                <a:cs typeface="Avenir Heavy"/>
-              </a:rPr>
-              <a:t>02</a:t>
-            </a:r>
-            <a:endParaRPr lang="de-DE" sz="1050" b="1" dirty="0">
-              <a:solidFill>
-                <a:schemeClr val="bg1"/>
-              </a:solidFill>
-              <a:latin typeface="Avenir Heavy"/>
-              <a:cs typeface="Avenir Heavy"/>
-            </a:endParaRPr>
+              <a:t>PAI 02</a:t>
+            </a:r>
           </a:p>
         </p:txBody>
       </p:sp>
@@ -1586,17 +1579,16 @@
           <a:lstStyle/>
           <a:p>
             <a:r>
-              <a:rPr lang="de-DE" dirty="0" smtClean="0">
+              <a:rPr lang="de-DE" dirty="0">
                 <a:latin typeface="Avenir Heavy"/>
                 <a:cs typeface="Avenir Heavy"/>
               </a:rPr>
               <a:t>ZUSAMMEN DEN</a:t>
             </a:r>
             <a:r>
-              <a:rPr lang="de-DE" dirty="0" smtClean="0"/>
+              <a:rPr lang="de-DE" dirty="0"/>
               <a:t> NEBEL LICHTEN</a:t>
             </a:r>
-            <a:endParaRPr lang="de-DE" dirty="0"/>
           </a:p>
         </p:txBody>
       </p:sp>
@@ -1677,7 +1669,6 @@
               <a:rPr lang="de-DE" sz="1200" dirty="0"/>
               <a:t>Aufgabe des Piloten ist es beim Üben immer kurz zu sagen, welchen Schritt er als nächsten macht und warum. Der Navigator schreibt schweigend auf, was der Pilot sagt, genauso wie er seine zusätzlichen Beobachtungen notiert. Für ihn ist es wichtig wertfrei zu bleiben und vielmehr eigene Wahrnehmungen als die eigene Meinung aufzuschreiben.</a:t>
             </a:r>
-            <a:endParaRPr lang="de-DE" sz="1200" dirty="0"/>
           </a:p>
         </p:txBody>
       </p:sp>
@@ -1700,10 +1691,9 @@
               <a:buNone/>
             </a:pPr>
             <a:r>
-              <a:rPr lang="de-DE" dirty="0" smtClean="0"/>
+              <a:rPr lang="de-DE" dirty="0"/>
               <a:t>Regina Brandhuber</a:t>
             </a:r>
-            <a:endParaRPr lang="de-DE" dirty="0"/>
           </a:p>
         </p:txBody>
       </p:sp>
@@ -1788,7 +1778,15 @@
           <a:p>
             <a:r>
               <a:rPr lang="de-DE" dirty="0"/>
-              <a:t>Während dem Üben spricht aus, was er als nächsten Schritt macht und warum. </a:t>
+              <a:t>Während dem Üben </a:t>
+            </a:r>
+            <a:r>
+              <a:rPr lang="de-DE"/>
+              <a:t>spricht der Pilot aus</a:t>
+            </a:r>
+            <a:r>
+              <a:rPr lang="de-DE" dirty="0"/>
+              <a:t>, was er als nächsten Schritt macht und warum. </a:t>
             </a:r>
           </a:p>
           <a:p>
@@ -1818,36 +1816,15 @@
           <a:p>
             <a:r>
               <a:rPr lang="de-DE" dirty="0"/>
-              <a:t>Pilot und Navigator können sich nicht gegenseitig zertifizieren, </a:t>
-            </a:r>
-            <a:r>
-              <a:rPr lang="de-DE"/>
-              <a:t>sondern </a:t>
-            </a:r>
-            <a:r>
-              <a:rPr lang="de-DE" smtClean="0"/>
-              <a:t/>
+              <a:t>Pilot und Navigator können sich nicht gegenseitig zertifizieren, sondern </a:t>
             </a:r>
             <a:br>
-              <a:rPr lang="de-DE" smtClean="0"/>
+              <a:rPr lang="de-DE" dirty="0"/>
             </a:br>
             <a:r>
-              <a:rPr lang="de-DE" smtClean="0"/>
-              <a:t>müssen </a:t>
-            </a:r>
-            <a:r>
-              <a:rPr lang="de-DE" dirty="0"/>
-              <a:t>von 2 zusätzlichen </a:t>
-            </a:r>
-            <a:r>
-              <a:rPr lang="de-DE" dirty="0" err="1"/>
-              <a:t>Reviewern</a:t>
-            </a:r>
-            <a:r>
-              <a:rPr lang="de-DE" dirty="0"/>
-              <a:t> zertifiziert werden.</a:t>
-            </a:r>
-            <a:endParaRPr lang="de-DE" dirty="0"/>
+              <a:rPr lang="de-DE" dirty="0"/>
+              <a:t>müssen von 2 zusätzlichen Reviewern zertifiziert werden.</a:t>
+            </a:r>
           </a:p>
         </p:txBody>
       </p:sp>

--- a/training-cards/music moves/Pairing (PAI)/ger/apprentice/ger_PAI_02_Zusammen_den_Nebel_lichten_MM_A.pptx
+++ b/training-cards/music moves/Pairing (PAI)/ger/apprentice/ger_PAI_02_Zusammen_den_Nebel_lichten_MM_A.pptx
@@ -529,7 +529,7 @@
           </a:ln>
           <a:extLst>
             <a:ext uri="{C572A759-6A51-4108-AA02-DFA0A04FC94B}">
-              <ma14:wrappingTextBoxFlag xmlns:ma14="http://schemas.microsoft.com/office/mac/drawingml/2011/main" xmlns="" val="1"/>
+              <ma14:wrappingTextBoxFlag xmlns="" xmlns:ma14="http://schemas.microsoft.com/office/mac/drawingml/2011/main" val="1"/>
             </a:ext>
           </a:extLst>
         </p:spPr>

--- a/training-cards/music moves/Pairing (PAI)/ger/apprentice/ger_PAI_02_Zusammen_den_Nebel_lichten_MM_A.pptx
+++ b/training-cards/music moves/Pairing (PAI)/ger/apprentice/ger_PAI_02_Zusammen_den_Nebel_lichten_MM_A.pptx
@@ -512,14 +512,20 @@
       </p:pic>
       <p:sp>
         <p:nvSpPr>
-          <p:cNvPr id="5" name="Shape 7"/>
+          <p:cNvPr id="4" name="Shape 7">
+            <a:extLst>
+              <a:ext uri="{FF2B5EF4-FFF2-40B4-BE49-F238E27FC236}">
+                <a16:creationId xmlns:a16="http://schemas.microsoft.com/office/drawing/2014/main" id="{DF2B3D8F-561A-590B-EC44-C26ACF22CCBF}"/>
+              </a:ext>
+            </a:extLst>
+          </p:cNvPr>
           <p:cNvSpPr/>
           <p:nvPr userDrawn="1"/>
         </p:nvSpPr>
         <p:spPr>
           <a:xfrm>
-            <a:off x="1683417" y="4952581"/>
-            <a:ext cx="4196016" cy="276995"/>
+            <a:off x="971550" y="4689585"/>
+            <a:ext cx="4691860" cy="461661"/>
           </a:xfrm>
           <a:prstGeom prst="rect">
             <a:avLst/>
@@ -534,7 +540,7 @@
           </a:extLst>
         </p:spPr>
         <p:txBody>
-          <a:bodyPr wrap="none" lIns="45718" tIns="45718" rIns="45718" bIns="45718">
+          <a:bodyPr wrap="square" lIns="45718" tIns="45718" rIns="45718" bIns="45718">
             <a:spAutoFit/>
           </a:bodyPr>
           <a:lstStyle/>
@@ -543,47 +549,266 @@
               <a:defRPr sz="1800"/>
             </a:pPr>
             <a:r>
-              <a:rPr sz="600" dirty="0">
-                <a:latin typeface="Avenir Light"/>
+              <a:rPr lang="de-DE" sz="800" b="0" i="0" u="none" strike="noStrike" dirty="0" err="1">
+                <a:solidFill>
+                  <a:schemeClr val="tx1">
+                    <a:lumMod val="65000"/>
+                    <a:lumOff val="35000"/>
+                  </a:schemeClr>
+                </a:solidFill>
+                <a:effectLst/>
+                <a:latin typeface="Avenir Book" panose="02000503020000020003" pitchFamily="2" charset="0"/>
+              </a:rPr>
+              <a:t>music</a:t>
+            </a:r>
+            <a:r>
+              <a:rPr lang="de-DE" sz="800" b="0" i="0" u="none" strike="noStrike" dirty="0">
+                <a:solidFill>
+                  <a:schemeClr val="tx1">
+                    <a:lumMod val="65000"/>
+                    <a:lumOff val="35000"/>
+                  </a:schemeClr>
+                </a:solidFill>
+                <a:effectLst/>
+                <a:latin typeface="Avenir Book" panose="02000503020000020003" pitchFamily="2" charset="0"/>
+              </a:rPr>
+              <a:t> </a:t>
+            </a:r>
+            <a:r>
+              <a:rPr lang="de-DE" sz="800" b="0" i="0" u="none" strike="noStrike" dirty="0" err="1">
+                <a:solidFill>
+                  <a:schemeClr val="tx1">
+                    <a:lumMod val="65000"/>
+                    <a:lumOff val="35000"/>
+                  </a:schemeClr>
+                </a:solidFill>
+                <a:effectLst/>
+                <a:latin typeface="Avenir Book" panose="02000503020000020003" pitchFamily="2" charset="0"/>
+              </a:rPr>
+              <a:t>moves</a:t>
+            </a:r>
+            <a:r>
+              <a:rPr lang="de-DE" sz="800" b="0" i="0" u="none" strike="noStrike" dirty="0">
+                <a:solidFill>
+                  <a:schemeClr val="tx1">
+                    <a:lumMod val="65000"/>
+                    <a:lumOff val="35000"/>
+                  </a:schemeClr>
+                </a:solidFill>
+                <a:effectLst/>
+                <a:latin typeface="Avenir Book" panose="02000503020000020003" pitchFamily="2" charset="0"/>
+              </a:rPr>
+              <a:t>-Trainingskarten von Regina Brandhuber sind lizenziert unter einer Creative Commons </a:t>
+            </a:r>
+          </a:p>
+          <a:p>
+            <a:pPr lvl="0" algn="ctr">
+              <a:defRPr sz="1800"/>
+            </a:pPr>
+            <a:r>
+              <a:rPr lang="de-DE" sz="800" b="0" i="0" u="none" strike="noStrike" dirty="0">
+                <a:solidFill>
+                  <a:schemeClr val="tx1">
+                    <a:lumMod val="65000"/>
+                    <a:lumOff val="35000"/>
+                  </a:schemeClr>
+                </a:solidFill>
+                <a:effectLst/>
+                <a:latin typeface="Avenir Book" panose="02000503020000020003" pitchFamily="2" charset="0"/>
+              </a:rPr>
+              <a:t>Namensnennung-Nicht kommerziell 4.0 International Lizenz.</a:t>
+            </a:r>
+          </a:p>
+          <a:p>
+            <a:pPr lvl="0" algn="ctr">
+              <a:defRPr sz="1800"/>
+            </a:pPr>
+            <a:r>
+              <a:rPr lang="de-DE" sz="800" dirty="0">
+                <a:solidFill>
+                  <a:schemeClr val="tx1">
+                    <a:lumMod val="65000"/>
+                    <a:lumOff val="35000"/>
+                  </a:schemeClr>
+                </a:solidFill>
+                <a:latin typeface="Avenir Book" panose="02000503020000020003" pitchFamily="2" charset="0"/>
                 <a:ea typeface="Calibri"/>
                 <a:cs typeface="Avenir Light"/>
                 <a:sym typeface="Calibri"/>
               </a:rPr>
-              <a:t>This work is licensed under the Creative Commons Attribution-NonCommercial-NoDerivatives 4.0 International License. </a:t>
-            </a:r>
-          </a:p>
-          <a:p>
-            <a:pPr lvl="0" algn="ctr">
-              <a:defRPr sz="1800"/>
-            </a:pPr>
-            <a:r>
-              <a:rPr sz="600" dirty="0">
-                <a:latin typeface="Avenir Light"/>
+              <a:t>Nachzulesen unter:</a:t>
+            </a:r>
+            <a:r>
+              <a:rPr sz="800" dirty="0">
+                <a:solidFill>
+                  <a:schemeClr val="tx1">
+                    <a:lumMod val="65000"/>
+                    <a:lumOff val="35000"/>
+                  </a:schemeClr>
+                </a:solidFill>
+                <a:latin typeface="Avenir Book" panose="02000503020000020003" pitchFamily="2" charset="0"/>
                 <a:ea typeface="Calibri"/>
                 <a:cs typeface="Avenir Light"/>
                 <a:sym typeface="Calibri"/>
               </a:rPr>
-              <a:t>To view a copy of this license, visit http://creativecommons.org/licenses/by-nc-nd/4.0/.</a:t>
-            </a:r>
+              <a:t> </a:t>
+            </a:r>
+            <a:r>
+              <a:rPr lang="de-DE" sz="800" dirty="0">
+                <a:solidFill>
+                  <a:schemeClr val="tx1">
+                    <a:lumMod val="65000"/>
+                    <a:lumOff val="35000"/>
+                  </a:schemeClr>
+                </a:solidFill>
+                <a:latin typeface="Avenir Book" panose="02000503020000020003" pitchFamily="2" charset="0"/>
+                <a:ea typeface="Calibri"/>
+                <a:cs typeface="Avenir Light"/>
+                <a:sym typeface="Calibri"/>
+              </a:rPr>
+              <a:t>https://</a:t>
+            </a:r>
+            <a:r>
+              <a:rPr lang="de-DE" sz="800" dirty="0" err="1">
+                <a:solidFill>
+                  <a:schemeClr val="tx1">
+                    <a:lumMod val="65000"/>
+                    <a:lumOff val="35000"/>
+                  </a:schemeClr>
+                </a:solidFill>
+                <a:latin typeface="Avenir Book" panose="02000503020000020003" pitchFamily="2" charset="0"/>
+                <a:ea typeface="Calibri"/>
+                <a:cs typeface="Avenir Light"/>
+                <a:sym typeface="Calibri"/>
+              </a:rPr>
+              <a:t>creativecommons.org</a:t>
+            </a:r>
+            <a:r>
+              <a:rPr lang="de-DE" sz="800" dirty="0">
+                <a:solidFill>
+                  <a:schemeClr val="tx1">
+                    <a:lumMod val="65000"/>
+                    <a:lumOff val="35000"/>
+                  </a:schemeClr>
+                </a:solidFill>
+                <a:latin typeface="Avenir Book" panose="02000503020000020003" pitchFamily="2" charset="0"/>
+                <a:ea typeface="Calibri"/>
+                <a:cs typeface="Avenir Light"/>
+                <a:sym typeface="Calibri"/>
+              </a:rPr>
+              <a:t>/</a:t>
+            </a:r>
+            <a:r>
+              <a:rPr lang="de-DE" sz="800" dirty="0" err="1">
+                <a:solidFill>
+                  <a:schemeClr val="tx1">
+                    <a:lumMod val="65000"/>
+                    <a:lumOff val="35000"/>
+                  </a:schemeClr>
+                </a:solidFill>
+                <a:latin typeface="Avenir Book" panose="02000503020000020003" pitchFamily="2" charset="0"/>
+                <a:ea typeface="Calibri"/>
+                <a:cs typeface="Avenir Light"/>
+                <a:sym typeface="Calibri"/>
+              </a:rPr>
+              <a:t>licenses</a:t>
+            </a:r>
+            <a:r>
+              <a:rPr lang="de-DE" sz="800" dirty="0">
+                <a:solidFill>
+                  <a:schemeClr val="tx1">
+                    <a:lumMod val="65000"/>
+                    <a:lumOff val="35000"/>
+                  </a:schemeClr>
+                </a:solidFill>
+                <a:latin typeface="Avenir Book" panose="02000503020000020003" pitchFamily="2" charset="0"/>
+                <a:ea typeface="Calibri"/>
+                <a:cs typeface="Avenir Light"/>
+                <a:sym typeface="Calibri"/>
+              </a:rPr>
+              <a:t>/</a:t>
+            </a:r>
+            <a:r>
+              <a:rPr lang="de-DE" sz="800" dirty="0" err="1">
+                <a:solidFill>
+                  <a:schemeClr val="tx1">
+                    <a:lumMod val="65000"/>
+                    <a:lumOff val="35000"/>
+                  </a:schemeClr>
+                </a:solidFill>
+                <a:latin typeface="Avenir Book" panose="02000503020000020003" pitchFamily="2" charset="0"/>
+                <a:ea typeface="Calibri"/>
+                <a:cs typeface="Avenir Light"/>
+                <a:sym typeface="Calibri"/>
+              </a:rPr>
+              <a:t>by-nc</a:t>
+            </a:r>
+            <a:r>
+              <a:rPr lang="de-DE" sz="800" dirty="0">
+                <a:solidFill>
+                  <a:schemeClr val="tx1">
+                    <a:lumMod val="65000"/>
+                    <a:lumOff val="35000"/>
+                  </a:schemeClr>
+                </a:solidFill>
+                <a:latin typeface="Avenir Book" panose="02000503020000020003" pitchFamily="2" charset="0"/>
+                <a:ea typeface="Calibri"/>
+                <a:cs typeface="Avenir Light"/>
+                <a:sym typeface="Calibri"/>
+              </a:rPr>
+              <a:t>/4.0/</a:t>
+            </a:r>
+            <a:r>
+              <a:rPr lang="de-DE" sz="800" dirty="0" err="1">
+                <a:solidFill>
+                  <a:schemeClr val="tx1">
+                    <a:lumMod val="65000"/>
+                    <a:lumOff val="35000"/>
+                  </a:schemeClr>
+                </a:solidFill>
+                <a:latin typeface="Avenir Book" panose="02000503020000020003" pitchFamily="2" charset="0"/>
+                <a:ea typeface="Calibri"/>
+                <a:cs typeface="Avenir Light"/>
+                <a:sym typeface="Calibri"/>
+              </a:rPr>
+              <a:t>deed.de</a:t>
+            </a:r>
+            <a:endParaRPr sz="800" dirty="0">
+              <a:solidFill>
+                <a:schemeClr val="tx1">
+                  <a:lumMod val="65000"/>
+                  <a:lumOff val="35000"/>
+                </a:schemeClr>
+              </a:solidFill>
+              <a:latin typeface="Avenir Book" panose="02000503020000020003" pitchFamily="2" charset="0"/>
+              <a:ea typeface="Calibri"/>
+              <a:cs typeface="Avenir Light"/>
+              <a:sym typeface="Calibri"/>
+            </a:endParaRPr>
           </a:p>
         </p:txBody>
       </p:sp>
       <p:pic>
         <p:nvPicPr>
-          <p:cNvPr id="6" name="pasted-image.tif"/>
+          <p:cNvPr id="8" name="pasted-image.tif">
+            <a:extLst>
+              <a:ext uri="{FF2B5EF4-FFF2-40B4-BE49-F238E27FC236}">
+                <a16:creationId xmlns:a16="http://schemas.microsoft.com/office/drawing/2014/main" id="{DA1FD729-54D8-D159-201D-07A4F8C5F35C}"/>
+              </a:ext>
+            </a:extLst>
+          </p:cNvPr>
           <p:cNvPicPr/>
           <p:nvPr userDrawn="1"/>
         </p:nvPicPr>
-        <p:blipFill>
+        <p:blipFill rotWithShape="1">
           <a:blip r:embed="rId4"/>
-          <a:stretch>
-            <a:fillRect/>
-          </a:stretch>
+          <a:srcRect r="24777" b="-3233"/>
+          <a:stretch/>
         </p:blipFill>
         <p:spPr>
           <a:xfrm>
-            <a:off x="6174185" y="4992838"/>
-            <a:ext cx="886619" cy="214128"/>
+            <a:off x="5724347" y="4733926"/>
+            <a:ext cx="1009828" cy="333374"/>
           </a:xfrm>
           <a:prstGeom prst="rect">
             <a:avLst/>
@@ -593,58 +818,6 @@
           </a:ln>
         </p:spPr>
       </p:pic>
-      <p:sp>
-        <p:nvSpPr>
-          <p:cNvPr id="7" name="Textfeld 6"/>
-          <p:cNvSpPr txBox="1"/>
-          <p:nvPr userDrawn="1"/>
-        </p:nvSpPr>
-        <p:spPr>
-          <a:xfrm>
-            <a:off x="239285" y="4936890"/>
-            <a:ext cx="1044856" cy="276999"/>
-          </a:xfrm>
-          <a:prstGeom prst="rect">
-            <a:avLst/>
-          </a:prstGeom>
-          <a:noFill/>
-        </p:spPr>
-        <p:txBody>
-          <a:bodyPr wrap="square" rtlCol="0">
-            <a:spAutoFit/>
-          </a:bodyPr>
-          <a:lstStyle/>
-          <a:p>
-            <a:r>
-              <a:rPr lang="de-DE" sz="600" dirty="0">
-                <a:solidFill>
-                  <a:srgbClr val="5D5E5F"/>
-                </a:solidFill>
-                <a:latin typeface="Avenir Light"/>
-                <a:cs typeface="Avenir Light"/>
-              </a:rPr>
-              <a:t>Letzte Änderung: </a:t>
-            </a:r>
-            <a:fld id="{7A8C7DAC-E536-564C-B5B3-90E8FAB50562}" type="datetime1">
-              <a:rPr lang="de-DE" sz="600" smtClean="0">
-                <a:solidFill>
-                  <a:srgbClr val="5D5E5F"/>
-                </a:solidFill>
-                <a:latin typeface="Avenir Light"/>
-                <a:cs typeface="Avenir Light"/>
-              </a:rPr>
-              <a:t>01.07.23</a:t>
-            </a:fld>
-            <a:endParaRPr lang="de-DE" sz="600" dirty="0">
-              <a:solidFill>
-                <a:srgbClr val="5D5E5F"/>
-              </a:solidFill>
-              <a:latin typeface="Avenir Light"/>
-              <a:cs typeface="Avenir Light"/>
-            </a:endParaRPr>
-          </a:p>
-        </p:txBody>
-      </p:sp>
     </p:spTree>
     <p:extLst>
       <p:ext uri="{BB962C8B-B14F-4D97-AF65-F5344CB8AC3E}">
@@ -714,7 +887,7 @@
           <a:p>
             <a:fld id="{FF5B2BAF-DF38-0A48-A798-0C06E514FD52}" type="datetimeFigureOut">
               <a:rPr lang="de-DE" smtClean="0"/>
-              <a:t>01.07.23</a:t>
+              <a:t>27.07.23</a:t>
             </a:fld>
             <a:endParaRPr lang="de-DE" dirty="0"/>
           </a:p>
@@ -934,7 +1107,7 @@
           <a:p>
             <a:fld id="{FF5B2BAF-DF38-0A48-A798-0C06E514FD52}" type="datetimeFigureOut">
               <a:rPr lang="de-DE" smtClean="0"/>
-              <a:t>01.07.23</a:t>
+              <a:t>27.07.23</a:t>
             </a:fld>
             <a:endParaRPr lang="de-DE" dirty="0"/>
           </a:p>

--- a/training-cards/music moves/Pairing (PAI)/ger/apprentice/ger_PAI_02_Zusammen_den_Nebel_lichten_MM_A.pptx
+++ b/training-cards/music moves/Pairing (PAI)/ger/apprentice/ger_PAI_02_Zusammen_den_Nebel_lichten_MM_A.pptx
@@ -535,7 +535,7 @@
           </a:ln>
           <a:extLst>
             <a:ext uri="{C572A759-6A51-4108-AA02-DFA0A04FC94B}">
-              <ma14:wrappingTextBoxFlag xmlns="" xmlns:ma14="http://schemas.microsoft.com/office/mac/drawingml/2011/main" val="1"/>
+              <ma14:wrappingTextBoxFlag xmlns:ma14="http://schemas.microsoft.com/office/mac/drawingml/2011/main" xmlns="" val="1"/>
             </a:ext>
           </a:extLst>
         </p:spPr>
@@ -887,7 +887,7 @@
           <a:p>
             <a:fld id="{FF5B2BAF-DF38-0A48-A798-0C06E514FD52}" type="datetimeFigureOut">
               <a:rPr lang="de-DE" smtClean="0"/>
-              <a:t>27.07.23</a:t>
+              <a:t>28.10.25</a:t>
             </a:fld>
             <a:endParaRPr lang="de-DE" dirty="0"/>
           </a:p>
@@ -1107,7 +1107,7 @@
           <a:p>
             <a:fld id="{FF5B2BAF-DF38-0A48-A798-0C06E514FD52}" type="datetimeFigureOut">
               <a:rPr lang="de-DE" smtClean="0"/>
-              <a:t>27.07.23</a:t>
+              <a:t>28.10.25</a:t>
             </a:fld>
             <a:endParaRPr lang="de-DE" dirty="0"/>
           </a:p>
@@ -1782,18 +1782,21 @@
           </a:bodyPr>
           <a:lstStyle/>
           <a:p>
+            <a:pPr algn="just"/>
             <a:r>
               <a:rPr lang="de-DE" sz="1200" dirty="0"/>
               <a:t>Pairing kann Dir helfen Klarheit und Struktur beim Üben zu trainieren.</a:t>
             </a:r>
           </a:p>
           <a:p>
+            <a:pPr algn="just"/>
             <a:r>
               <a:rPr lang="de-DE" sz="1200" dirty="0"/>
               <a:t>Wie Du vielleicht bemerkt hast, wenn Du PAI 01 bereits trainiert hast, bemühst Du Dich als Pilot wahrscheinlich viel mehr um klares und strukturierteres Üben, wenn ein Navigator Dein Üben begleitet.</a:t>
             </a:r>
           </a:p>
           <a:p>
+            <a:pPr algn="just"/>
             <a:r>
               <a:rPr lang="de-DE" sz="1200" dirty="0"/>
               <a:t>Beim gemeinsamen Pairing-Training fragt ihr euch, welcher nächste </a:t>
@@ -1816,6 +1819,7 @@
             </a:r>
           </a:p>
           <a:p>
+            <a:pPr algn="just"/>
             <a:r>
               <a:rPr lang="de-DE" sz="1200" dirty="0"/>
               <a:t>Nehmt euch gemeinsam Zeit für eine </a:t>
@@ -1838,6 +1842,7 @@
             </a:r>
           </a:p>
           <a:p>
+            <a:pPr algn="just"/>
             <a:r>
               <a:rPr lang="de-DE" sz="1200" dirty="0"/>
               <a:t>Aufgabe des Piloten ist es beim Üben immer kurz zu sagen, welchen Schritt er als nächsten macht und warum. Der Navigator schreibt schweigend auf, was der Pilot sagt, genauso wie er seine zusätzlichen Beobachtungen notiert. Für ihn ist es wichtig wertfrei zu bleiben und vielmehr eigene Wahrnehmungen als die eigene Meinung aufzuschreiben.</a:t>
@@ -1915,12 +1920,14 @@
           <a:bodyPr/>
           <a:lstStyle/>
           <a:p>
+            <a:pPr algn="just"/>
             <a:r>
               <a:rPr lang="de-DE" dirty="0"/>
               <a:t>Trefft euch in 2 Wochen 4 mal, um zu zweit zu üben.</a:t>
             </a:r>
           </a:p>
           <a:p>
+            <a:pPr algn="just"/>
             <a:r>
               <a:rPr lang="de-DE" dirty="0"/>
               <a:t>Setzt eine Zeitspanne von mindestens 25 Minuten oder länger pro </a:t>
@@ -1935,6 +1942,7 @@
             </a:r>
           </a:p>
           <a:p>
+            <a:pPr algn="just"/>
             <a:r>
               <a:rPr lang="de-DE" dirty="0"/>
               <a:t>Der Pilot formuliert vor dem Üben sein </a:t>
@@ -1949,32 +1957,28 @@
             </a:r>
           </a:p>
           <a:p>
+            <a:pPr algn="just"/>
             <a:r>
               <a:rPr lang="de-DE" dirty="0"/>
-              <a:t>Während dem Üben </a:t>
-            </a:r>
-            <a:r>
-              <a:rPr lang="de-DE"/>
-              <a:t>spricht der Pilot aus</a:t>
-            </a:r>
-            <a:r>
-              <a:rPr lang="de-DE" dirty="0"/>
-              <a:t>, was er als nächsten Schritt macht und warum. </a:t>
-            </a:r>
-          </a:p>
-          <a:p>
+              <a:t>Während dem Üben spricht der Pilot aus, was er als nächsten Schritt macht und warum. </a:t>
+            </a:r>
+          </a:p>
+          <a:p>
+            <a:pPr algn="just"/>
             <a:r>
               <a:rPr lang="de-DE" dirty="0"/>
               <a:t>Der Navigator schreibt mit, was der Pilot sagt und was er beobachtet. </a:t>
             </a:r>
           </a:p>
           <a:p>
+            <a:pPr algn="just"/>
             <a:r>
               <a:rPr lang="de-DE" dirty="0"/>
               <a:t>Tauscht euch nach dem Üben über die gewählten Überschritte aus.</a:t>
             </a:r>
           </a:p>
           <a:p>
+            <a:pPr algn="just"/>
             <a:r>
               <a:rPr lang="de-DE" dirty="0"/>
               <a:t>Wechselt die Rollen, sodass innerhalb der 2 Wochen im gleichen Pärchen jeder zweimal Pilot und Navigator war.</a:t>
